--- a/ScoliosisLearning/13_01Presentation.pptx
+++ b/ScoliosisLearning/13_01Presentation.pptx
@@ -452,11 +452,11 @@
           <c:showPercent val="0"/>
           <c:showBubbleSize val="0"/>
         </c:dLbls>
-        <c:axId val="503638560"/>
-        <c:axId val="503635424"/>
+        <c:axId val="124834704"/>
+        <c:axId val="124835096"/>
       </c:scatterChart>
       <c:valAx>
-        <c:axId val="503638560"/>
+        <c:axId val="124834704"/>
         <c:scaling>
           <c:orientation val="minMax"/>
         </c:scaling>
@@ -511,7 +511,6 @@
               </a:p>
             </c:rich>
           </c:tx>
-          <c:layout/>
           <c:overlay val="0"/>
           <c:spPr>
             <a:noFill/>
@@ -578,12 +577,12 @@
             <a:endParaRPr lang="en-US"/>
           </a:p>
         </c:txPr>
-        <c:crossAx val="503635424"/>
+        <c:crossAx val="124835096"/>
         <c:crosses val="autoZero"/>
         <c:crossBetween val="midCat"/>
       </c:valAx>
       <c:valAx>
-        <c:axId val="503635424"/>
+        <c:axId val="124835096"/>
         <c:scaling>
           <c:orientation val="minMax"/>
         </c:scaling>
@@ -642,7 +641,6 @@
               </a:p>
             </c:rich>
           </c:tx>
-          <c:layout/>
           <c:overlay val="0"/>
           <c:spPr>
             <a:noFill/>
@@ -709,7 +707,7 @@
             <a:endParaRPr lang="en-US"/>
           </a:p>
         </c:txPr>
-        <c:crossAx val="503638560"/>
+        <c:crossAx val="124834704"/>
         <c:crosses val="autoZero"/>
         <c:crossBetween val="midCat"/>
       </c:valAx>
@@ -3808,16 +3806,11 @@
               <a:rPr lang="en-CA" dirty="0" smtClean="0"/>
               <a:t>Small training set</a:t>
             </a:r>
-            <a:endParaRPr lang="en-CA" dirty="0" smtClean="0"/>
           </a:p>
           <a:p>
             <a:r>
               <a:rPr lang="en-CA" dirty="0" smtClean="0"/>
-              <a:t>MATLAB </a:t>
-            </a:r>
-            <a:r>
-              <a:rPr lang="en-CA" dirty="0" smtClean="0"/>
-              <a:t>results are uninformative</a:t>
+              <a:t>MATLAB results are uninformative</a:t>
             </a:r>
           </a:p>
           <a:p>
@@ -4255,17 +4248,8 @@
           <a:p>
             <a:r>
               <a:rPr lang="en-CA" dirty="0" smtClean="0"/>
-              <a:t>Create </a:t>
+              <a:t>Create method to repair missing points</a:t>
             </a:r>
-            <a:r>
-              <a:rPr lang="en-CA" dirty="0" smtClean="0"/>
-              <a:t>method to repair missing </a:t>
-            </a:r>
-            <a:r>
-              <a:rPr lang="en-CA" dirty="0" smtClean="0"/>
-              <a:t>points</a:t>
-            </a:r>
-            <a:endParaRPr lang="en-CA" dirty="0" smtClean="0"/>
           </a:p>
         </p:txBody>
       </p:sp>
@@ -10115,7 +10099,7 @@
         <p:spPr/>
         <p:txBody>
           <a:bodyPr>
-            <a:normAutofit fontScale="92500" lnSpcReduction="10000"/>
+            <a:normAutofit fontScale="92500" lnSpcReduction="20000"/>
           </a:bodyPr>
           <a:lstStyle/>
           <a:p>
@@ -10181,6 +10165,12 @@
             <a:r>
               <a:rPr lang="en-CA" dirty="0" smtClean="0"/>
               <a:t>Discussion</a:t>
+            </a:r>
+          </a:p>
+          <a:p>
+            <a:r>
+              <a:rPr lang="en-CA" smtClean="0"/>
+              <a:t>Ongoing work</a:t>
             </a:r>
             <a:endParaRPr lang="en-CA" dirty="0"/>
           </a:p>
